--- a/ArfanShahFYP1FinalSubmission/ArfanShah_FYP_Presentation.pptx
+++ b/ArfanShahFYP1FinalSubmission/ArfanShah_FYP_Presentation.pptx
@@ -121,6 +121,11 @@
       </a:defRPr>
     </a:lvl9pPr>
   </p:defaultTextStyle>
+  <p:extLst>
+    <p:ext uri="{EFAFB233-063F-42B5-8137-9DF3F51BA10A}">
+      <p15:sldGuideLst xmlns:p15="http://schemas.microsoft.com/office/powerpoint/2012/main"/>
+    </p:ext>
+  </p:extLst>
 </p:presentation>
 </file>
 
@@ -3499,7 +3504,7 @@
 <dgm:dataModel xmlns:dgm="http://schemas.openxmlformats.org/drawingml/2006/diagram" xmlns:a="http://schemas.openxmlformats.org/drawingml/2006/main">
   <dgm:ptLst>
     <dgm:pt modelId="{1283D753-4060-47EC-8B5B-EAF7A3D4C3DA}" type="doc">
-      <dgm:prSet loTypeId="urn:microsoft.com/office/officeart/2008/layout/LinedList" loCatId="list" qsTypeId="urn:microsoft.com/office/officeart/2005/8/quickstyle/simple1" qsCatId="simple" csTypeId="urn:microsoft.com/office/officeart/2005/8/colors/colorful1" csCatId="colorful"/>
+      <dgm:prSet loTypeId="urn:microsoft.com/office/officeart/2008/layout/LinedList" loCatId="list" qsTypeId="urn:microsoft.com/office/officeart/2005/8/quickstyle/simple1" qsCatId="simple" csTypeId="urn:microsoft.com/office/officeart/2005/8/colors/colorful1" csCatId="colorful" phldr="1"/>
       <dgm:spPr/>
       <dgm:t>
         <a:bodyPr/>
@@ -3661,8 +3666,8 @@
         <a:lstStyle/>
         <a:p>
           <a:r>
-            <a:rPr lang="en-US"/>
-            <a:t>Simple Web or desktop or mobile application</a:t>
+            <a:rPr lang="en-US" dirty="0"/>
+            <a:t>Simple Web application</a:t>
           </a:r>
         </a:p>
       </dgm:t>
@@ -3885,7 +3890,7 @@
 <dgm:dataModel xmlns:dgm="http://schemas.openxmlformats.org/drawingml/2006/diagram" xmlns:a="http://schemas.openxmlformats.org/drawingml/2006/main">
   <dgm:ptLst>
     <dgm:pt modelId="{DED20E82-D829-4D29-B604-535DC7696A57}" type="doc">
-      <dgm:prSet loTypeId="urn:microsoft.com/office/officeart/2005/8/layout/vProcess5" loCatId="process" qsTypeId="urn:microsoft.com/office/officeart/2005/8/quickstyle/simple1" qsCatId="simple" csTypeId="urn:microsoft.com/office/officeart/2005/8/colors/accent0_3" csCatId="mainScheme"/>
+      <dgm:prSet loTypeId="urn:microsoft.com/office/officeart/2005/8/layout/vProcess5" loCatId="process" qsTypeId="urn:microsoft.com/office/officeart/2005/8/quickstyle/simple1" qsCatId="simple" csTypeId="urn:microsoft.com/office/officeart/2005/8/colors/accent0_3" csCatId="mainScheme" phldr="1"/>
       <dgm:spPr/>
       <dgm:t>
         <a:bodyPr/>
@@ -3903,8 +3908,8 @@
         <a:lstStyle/>
         <a:p>
           <a:r>
-            <a:rPr lang="en-US"/>
-            <a:t>No any previous research in targeted area (Pak and Central Asia)</a:t>
+            <a:rPr lang="en-US" dirty="0"/>
+            <a:t>No any previous research in targeted area (Gilgit-Baltistan and Central Asia)</a:t>
           </a:r>
         </a:p>
       </dgm:t>
@@ -5475,8 +5480,8 @@
             <a:buNone/>
           </a:pPr>
           <a:r>
-            <a:rPr lang="en-US" sz="2500" kern="1200"/>
-            <a:t>Simple Web or desktop or mobile application</a:t>
+            <a:rPr lang="en-US" sz="2500" kern="1200" dirty="0"/>
+            <a:t>Simple Web application</a:t>
           </a:r>
         </a:p>
       </dsp:txBody>
@@ -5677,8 +5682,8 @@
             <a:buNone/>
           </a:pPr>
           <a:r>
-            <a:rPr lang="en-US" sz="2000" kern="1200"/>
-            <a:t>No any previous research in targeted area (Pak and Central Asia)</a:t>
+            <a:rPr lang="en-US" sz="2000" kern="1200" dirty="0"/>
+            <a:t>No any previous research in targeted area (Gilgit-Baltistan and Central Asia)</a:t>
           </a:r>
         </a:p>
       </dsp:txBody>
@@ -13932,7 +13937,7 @@
           <a:p>
             <a:fld id="{A4F45A4F-F7A1-494E-BAB5-D1FD714626E1}" type="datetimeFigureOut">
               <a:rPr lang="en-US" smtClean="0"/>
-              <a:t>1/1/2023</a:t>
+              <a:t>3/7/2023</a:t>
             </a:fld>
             <a:endParaRPr lang="en-US"/>
           </a:p>
@@ -14130,7 +14135,7 @@
           <a:p>
             <a:fld id="{A4F45A4F-F7A1-494E-BAB5-D1FD714626E1}" type="datetimeFigureOut">
               <a:rPr lang="en-US" smtClean="0"/>
-              <a:t>1/1/2023</a:t>
+              <a:t>3/7/2023</a:t>
             </a:fld>
             <a:endParaRPr lang="en-US"/>
           </a:p>
@@ -14338,7 +14343,7 @@
           <a:p>
             <a:fld id="{A4F45A4F-F7A1-494E-BAB5-D1FD714626E1}" type="datetimeFigureOut">
               <a:rPr lang="en-US" smtClean="0"/>
-              <a:t>1/1/2023</a:t>
+              <a:t>3/7/2023</a:t>
             </a:fld>
             <a:endParaRPr lang="en-US"/>
           </a:p>
@@ -14536,7 +14541,7 @@
           <a:p>
             <a:fld id="{A4F45A4F-F7A1-494E-BAB5-D1FD714626E1}" type="datetimeFigureOut">
               <a:rPr lang="en-US" smtClean="0"/>
-              <a:t>1/1/2023</a:t>
+              <a:t>3/7/2023</a:t>
             </a:fld>
             <a:endParaRPr lang="en-US"/>
           </a:p>
@@ -14811,7 +14816,7 @@
           <a:p>
             <a:fld id="{A4F45A4F-F7A1-494E-BAB5-D1FD714626E1}" type="datetimeFigureOut">
               <a:rPr lang="en-US" smtClean="0"/>
-              <a:t>1/1/2023</a:t>
+              <a:t>3/7/2023</a:t>
             </a:fld>
             <a:endParaRPr lang="en-US"/>
           </a:p>
@@ -15076,7 +15081,7 @@
           <a:p>
             <a:fld id="{A4F45A4F-F7A1-494E-BAB5-D1FD714626E1}" type="datetimeFigureOut">
               <a:rPr lang="en-US" smtClean="0"/>
-              <a:t>1/1/2023</a:t>
+              <a:t>3/7/2023</a:t>
             </a:fld>
             <a:endParaRPr lang="en-US"/>
           </a:p>
@@ -15488,7 +15493,7 @@
           <a:p>
             <a:fld id="{A4F45A4F-F7A1-494E-BAB5-D1FD714626E1}" type="datetimeFigureOut">
               <a:rPr lang="en-US" smtClean="0"/>
-              <a:t>1/1/2023</a:t>
+              <a:t>3/7/2023</a:t>
             </a:fld>
             <a:endParaRPr lang="en-US"/>
           </a:p>
@@ -15629,7 +15634,7 @@
           <a:p>
             <a:fld id="{A4F45A4F-F7A1-494E-BAB5-D1FD714626E1}" type="datetimeFigureOut">
               <a:rPr lang="en-US" smtClean="0"/>
-              <a:t>1/1/2023</a:t>
+              <a:t>3/7/2023</a:t>
             </a:fld>
             <a:endParaRPr lang="en-US"/>
           </a:p>
@@ -15742,7 +15747,7 @@
           <a:p>
             <a:fld id="{A4F45A4F-F7A1-494E-BAB5-D1FD714626E1}" type="datetimeFigureOut">
               <a:rPr lang="en-US" smtClean="0"/>
-              <a:t>1/1/2023</a:t>
+              <a:t>3/7/2023</a:t>
             </a:fld>
             <a:endParaRPr lang="en-US"/>
           </a:p>
@@ -16053,7 +16058,7 @@
           <a:p>
             <a:fld id="{A4F45A4F-F7A1-494E-BAB5-D1FD714626E1}" type="datetimeFigureOut">
               <a:rPr lang="en-US" smtClean="0"/>
-              <a:t>1/1/2023</a:t>
+              <a:t>3/7/2023</a:t>
             </a:fld>
             <a:endParaRPr lang="en-US"/>
           </a:p>
@@ -16341,7 +16346,7 @@
           <a:p>
             <a:fld id="{A4F45A4F-F7A1-494E-BAB5-D1FD714626E1}" type="datetimeFigureOut">
               <a:rPr lang="en-US" smtClean="0"/>
-              <a:t>1/1/2023</a:t>
+              <a:t>3/7/2023</a:t>
             </a:fld>
             <a:endParaRPr lang="en-US"/>
           </a:p>
@@ -16582,7 +16587,7 @@
           <a:p>
             <a:fld id="{A4F45A4F-F7A1-494E-BAB5-D1FD714626E1}" type="datetimeFigureOut">
               <a:rPr lang="en-US" smtClean="0"/>
-              <a:t>1/1/2023</a:t>
+              <a:t>3/7/2023</a:t>
             </a:fld>
             <a:endParaRPr lang="en-US"/>
           </a:p>
@@ -24426,7 +24431,7 @@
             <p:ph idx="1"/>
             <p:extLst>
               <p:ext uri="{D42A27DB-BD31-4B8C-83A1-F6EECF244321}">
-                <p14:modId xmlns:p14="http://schemas.microsoft.com/office/powerpoint/2010/main" val="1283182957"/>
+                <p14:modId xmlns:p14="http://schemas.microsoft.com/office/powerpoint/2010/main" val="2321316947"/>
               </p:ext>
             </p:extLst>
           </p:nvPr>
@@ -24599,7 +24604,7 @@
             <p:ph idx="1"/>
             <p:extLst>
               <p:ext uri="{D42A27DB-BD31-4B8C-83A1-F6EECF244321}">
-                <p14:modId xmlns:p14="http://schemas.microsoft.com/office/powerpoint/2010/main" val="2072380138"/>
+                <p14:modId xmlns:p14="http://schemas.microsoft.com/office/powerpoint/2010/main" val="1091932136"/>
               </p:ext>
             </p:extLst>
           </p:nvPr>
